--- a/ML intro.pptx
+++ b/ML intro.pptx
@@ -9,10 +9,13 @@
     <p:sldId id="257" r:id="rId3"/>
     <p:sldId id="258" r:id="rId4"/>
     <p:sldId id="259" r:id="rId5"/>
-    <p:sldId id="260" r:id="rId6"/>
-    <p:sldId id="261" r:id="rId7"/>
-    <p:sldId id="262" r:id="rId8"/>
-    <p:sldId id="263" r:id="rId9"/>
+    <p:sldId id="264" r:id="rId6"/>
+    <p:sldId id="260" r:id="rId7"/>
+    <p:sldId id="261" r:id="rId8"/>
+    <p:sldId id="262" r:id="rId9"/>
+    <p:sldId id="263" r:id="rId10"/>
+    <p:sldId id="266" r:id="rId11"/>
+    <p:sldId id="265" r:id="rId12"/>
   </p:sldIdLst>
   <p:sldSz cx="12192000" cy="6858000"/>
   <p:notesSz cx="6858000" cy="9144000"/>
@@ -250,7 +253,7 @@
           <a:p>
             <a:fld id="{63A1C593-65D0-4073-BCC9-577B9352EA97}" type="datetimeFigureOut">
               <a:rPr lang="en-US" smtClean="0"/>
-              <a:t>5/18/2020</a:t>
+              <a:t>5/20/2020</a:t>
             </a:fld>
             <a:endParaRPr lang="en-US"/>
           </a:p>
@@ -420,7 +423,7 @@
           <a:p>
             <a:fld id="{63A1C593-65D0-4073-BCC9-577B9352EA97}" type="datetimeFigureOut">
               <a:rPr lang="en-US" smtClean="0"/>
-              <a:t>5/18/2020</a:t>
+              <a:t>5/20/2020</a:t>
             </a:fld>
             <a:endParaRPr lang="en-US"/>
           </a:p>
@@ -600,7 +603,7 @@
           <a:p>
             <a:fld id="{63A1C593-65D0-4073-BCC9-577B9352EA97}" type="datetimeFigureOut">
               <a:rPr lang="en-US" smtClean="0"/>
-              <a:t>5/18/2020</a:t>
+              <a:t>5/20/2020</a:t>
             </a:fld>
             <a:endParaRPr lang="en-US"/>
           </a:p>
@@ -770,7 +773,7 @@
           <a:p>
             <a:fld id="{63A1C593-65D0-4073-BCC9-577B9352EA97}" type="datetimeFigureOut">
               <a:rPr lang="en-US" smtClean="0"/>
-              <a:t>5/18/2020</a:t>
+              <a:t>5/20/2020</a:t>
             </a:fld>
             <a:endParaRPr lang="en-US"/>
           </a:p>
@@ -1016,7 +1019,7 @@
           <a:p>
             <a:fld id="{63A1C593-65D0-4073-BCC9-577B9352EA97}" type="datetimeFigureOut">
               <a:rPr lang="en-US" smtClean="0"/>
-              <a:t>5/18/2020</a:t>
+              <a:t>5/20/2020</a:t>
             </a:fld>
             <a:endParaRPr lang="en-US"/>
           </a:p>
@@ -1248,7 +1251,7 @@
           <a:p>
             <a:fld id="{63A1C593-65D0-4073-BCC9-577B9352EA97}" type="datetimeFigureOut">
               <a:rPr lang="en-US" smtClean="0"/>
-              <a:t>5/18/2020</a:t>
+              <a:t>5/20/2020</a:t>
             </a:fld>
             <a:endParaRPr lang="en-US"/>
           </a:p>
@@ -1615,7 +1618,7 @@
           <a:p>
             <a:fld id="{63A1C593-65D0-4073-BCC9-577B9352EA97}" type="datetimeFigureOut">
               <a:rPr lang="en-US" smtClean="0"/>
-              <a:t>5/18/2020</a:t>
+              <a:t>5/20/2020</a:t>
             </a:fld>
             <a:endParaRPr lang="en-US"/>
           </a:p>
@@ -1733,7 +1736,7 @@
           <a:p>
             <a:fld id="{63A1C593-65D0-4073-BCC9-577B9352EA97}" type="datetimeFigureOut">
               <a:rPr lang="en-US" smtClean="0"/>
-              <a:t>5/18/2020</a:t>
+              <a:t>5/20/2020</a:t>
             </a:fld>
             <a:endParaRPr lang="en-US"/>
           </a:p>
@@ -1828,7 +1831,7 @@
           <a:p>
             <a:fld id="{63A1C593-65D0-4073-BCC9-577B9352EA97}" type="datetimeFigureOut">
               <a:rPr lang="en-US" smtClean="0"/>
-              <a:t>5/18/2020</a:t>
+              <a:t>5/20/2020</a:t>
             </a:fld>
             <a:endParaRPr lang="en-US"/>
           </a:p>
@@ -2105,7 +2108,7 @@
           <a:p>
             <a:fld id="{63A1C593-65D0-4073-BCC9-577B9352EA97}" type="datetimeFigureOut">
               <a:rPr lang="en-US" smtClean="0"/>
-              <a:t>5/18/2020</a:t>
+              <a:t>5/20/2020</a:t>
             </a:fld>
             <a:endParaRPr lang="en-US"/>
           </a:p>
@@ -2358,7 +2361,7 @@
           <a:p>
             <a:fld id="{63A1C593-65D0-4073-BCC9-577B9352EA97}" type="datetimeFigureOut">
               <a:rPr lang="en-US" smtClean="0"/>
-              <a:t>5/18/2020</a:t>
+              <a:t>5/20/2020</a:t>
             </a:fld>
             <a:endParaRPr lang="en-US"/>
           </a:p>
@@ -2571,7 +2574,7 @@
           <a:p>
             <a:fld id="{63A1C593-65D0-4073-BCC9-577B9352EA97}" type="datetimeFigureOut">
               <a:rPr lang="en-US" smtClean="0"/>
-              <a:t>5/18/2020</a:t>
+              <a:t>5/20/2020</a:t>
             </a:fld>
             <a:endParaRPr lang="en-US"/>
           </a:p>
@@ -3031,6 +3034,542 @@
 </p:sld>
 </file>
 
+<file path=ppt/slides/slide10.xml><?xml version="1.0" encoding="utf-8"?>
+<p:sld xmlns:a="http://schemas.openxmlformats.org/drawingml/2006/main" xmlns:r="http://schemas.openxmlformats.org/officeDocument/2006/relationships" xmlns:p="http://schemas.openxmlformats.org/presentationml/2006/main">
+  <p:cSld>
+    <p:spTree>
+      <p:nvGrpSpPr>
+        <p:cNvPr id="1" name=""/>
+        <p:cNvGrpSpPr/>
+        <p:nvPr/>
+      </p:nvGrpSpPr>
+      <p:grpSpPr>
+        <a:xfrm>
+          <a:off x="0" y="0"/>
+          <a:ext cx="0" cy="0"/>
+          <a:chOff x="0" y="0"/>
+          <a:chExt cx="0" cy="0"/>
+        </a:xfrm>
+      </p:grpSpPr>
+      <p:sp>
+        <p:nvSpPr>
+          <p:cNvPr id="2" name="Title 1"/>
+          <p:cNvSpPr>
+            <a:spLocks noGrp="1"/>
+          </p:cNvSpPr>
+          <p:nvPr>
+            <p:ph type="title"/>
+          </p:nvPr>
+        </p:nvSpPr>
+        <p:spPr/>
+        <p:txBody>
+          <a:bodyPr/>
+          <a:lstStyle/>
+          <a:p>
+            <a:r>
+              <a:rPr lang="it-IT" dirty="0" smtClean="0"/>
+              <a:t>Logistic regression</a:t>
+            </a:r>
+            <a:endParaRPr lang="en-US" dirty="0"/>
+          </a:p>
+        </p:txBody>
+      </p:sp>
+      <p:sp>
+        <p:nvSpPr>
+          <p:cNvPr id="3" name="Content Placeholder 2"/>
+          <p:cNvSpPr>
+            <a:spLocks noGrp="1"/>
+          </p:cNvSpPr>
+          <p:nvPr>
+            <p:ph idx="1"/>
+          </p:nvPr>
+        </p:nvSpPr>
+        <p:spPr/>
+        <p:txBody>
+          <a:bodyPr/>
+          <a:lstStyle/>
+          <a:p>
+            <a:r>
+              <a:rPr lang="en-US" dirty="0" smtClean="0"/>
+              <a:t>z=W</a:t>
+            </a:r>
+            <a:r>
+              <a:rPr lang="en-US" baseline="-25000" dirty="0" smtClean="0"/>
+              <a:t>0</a:t>
+            </a:r>
+            <a:r>
+              <a:rPr lang="en-US" dirty="0" smtClean="0"/>
+              <a:t>+W</a:t>
+            </a:r>
+            <a:r>
+              <a:rPr lang="en-US" baseline="-25000" dirty="0" smtClean="0"/>
+              <a:t>1</a:t>
+            </a:r>
+            <a:r>
+              <a:rPr lang="en-US" dirty="0" smtClean="0"/>
+              <a:t>*Studied+W</a:t>
+            </a:r>
+            <a:r>
+              <a:rPr lang="en-US" baseline="-25000" dirty="0" smtClean="0"/>
+              <a:t>2</a:t>
+            </a:r>
+            <a:r>
+              <a:rPr lang="en-US" dirty="0" smtClean="0"/>
+              <a:t>*Slept</a:t>
+            </a:r>
+            <a:r>
+              <a:rPr lang="en-US" dirty="0"/>
+              <a:t/>
+            </a:r>
+            <a:br>
+              <a:rPr lang="en-US" dirty="0"/>
+            </a:br>
+            <a:endParaRPr lang="en-US" dirty="0" smtClean="0"/>
+          </a:p>
+          <a:p>
+            <a:r>
+              <a:rPr lang="en-US" dirty="0"/>
+              <a:t>P(class=1)=</a:t>
+            </a:r>
+            <a:r>
+              <a:rPr lang="en-US" dirty="0" smtClean="0"/>
+              <a:t>1/1+e</a:t>
+            </a:r>
+            <a:r>
+              <a:rPr lang="en-US" baseline="30000" dirty="0"/>
+              <a:t>−</a:t>
+            </a:r>
+            <a:r>
+              <a:rPr lang="en-US" baseline="30000" dirty="0" smtClean="0"/>
+              <a:t>z</a:t>
+            </a:r>
+          </a:p>
+          <a:p>
+            <a:endParaRPr lang="en-US" baseline="30000" dirty="0"/>
+          </a:p>
+          <a:p>
+            <a:r>
+              <a:rPr lang="en-US" dirty="0">
+                <a:hlinkClick r:id="rId2"/>
+              </a:rPr>
+              <a:t>https://ml-cheatsheet.readthedocs.io/en/latest/logistic_regression.html</a:t>
+            </a:r>
+            <a:r>
+              <a:rPr lang="en-US" dirty="0"/>
+              <a:t/>
+            </a:r>
+            <a:br>
+              <a:rPr lang="en-US" dirty="0"/>
+            </a:br>
+            <a:endParaRPr lang="en-US" dirty="0"/>
+          </a:p>
+        </p:txBody>
+      </p:sp>
+    </p:spTree>
+    <p:extLst>
+      <p:ext uri="{BB962C8B-B14F-4D97-AF65-F5344CB8AC3E}">
+        <p14:creationId xmlns:p14="http://schemas.microsoft.com/office/powerpoint/2010/main" val="1896939860"/>
+      </p:ext>
+    </p:extLst>
+  </p:cSld>
+  <p:clrMapOvr>
+    <a:masterClrMapping/>
+  </p:clrMapOvr>
+</p:sld>
+</file>
+
+<file path=ppt/slides/slide11.xml><?xml version="1.0" encoding="utf-8"?>
+<p:sld xmlns:a="http://schemas.openxmlformats.org/drawingml/2006/main" xmlns:r="http://schemas.openxmlformats.org/officeDocument/2006/relationships" xmlns:p="http://schemas.openxmlformats.org/presentationml/2006/main">
+  <p:cSld>
+    <p:spTree>
+      <p:nvGrpSpPr>
+        <p:cNvPr id="1" name=""/>
+        <p:cNvGrpSpPr/>
+        <p:nvPr/>
+      </p:nvGrpSpPr>
+      <p:grpSpPr>
+        <a:xfrm>
+          <a:off x="0" y="0"/>
+          <a:ext cx="0" cy="0"/>
+          <a:chOff x="0" y="0"/>
+          <a:chExt cx="0" cy="0"/>
+        </a:xfrm>
+      </p:grpSpPr>
+      <p:sp>
+        <p:nvSpPr>
+          <p:cNvPr id="2" name="Title 1"/>
+          <p:cNvSpPr>
+            <a:spLocks noGrp="1"/>
+          </p:cNvSpPr>
+          <p:nvPr>
+            <p:ph type="title"/>
+          </p:nvPr>
+        </p:nvSpPr>
+        <p:spPr/>
+        <p:txBody>
+          <a:bodyPr/>
+          <a:lstStyle/>
+          <a:p>
+            <a:r>
+              <a:rPr lang="it-IT" dirty="0" smtClean="0"/>
+              <a:t>Logistic regression cost</a:t>
+            </a:r>
+            <a:endParaRPr lang="en-US" dirty="0"/>
+          </a:p>
+        </p:txBody>
+      </p:sp>
+      <p:sp>
+        <p:nvSpPr>
+          <p:cNvPr id="3" name="Content Placeholder 2"/>
+          <p:cNvSpPr>
+            <a:spLocks noGrp="1"/>
+          </p:cNvSpPr>
+          <p:nvPr>
+            <p:ph idx="1"/>
+          </p:nvPr>
+        </p:nvSpPr>
+        <p:spPr/>
+        <p:txBody>
+          <a:bodyPr/>
+          <a:lstStyle/>
+          <a:p>
+            <a:r>
+              <a:rPr lang="it-IT" dirty="0" smtClean="0"/>
+              <a:t>Cross entropy, or log loss</a:t>
+            </a:r>
+            <a:endParaRPr lang="en-US" dirty="0"/>
+          </a:p>
+        </p:txBody>
+      </p:sp>
+      <p:pic>
+        <p:nvPicPr>
+          <p:cNvPr id="1026" name="Picture 2" descr="_images/ng_cost_function_logistic.png"/>
+          <p:cNvPicPr>
+            <a:picLocks noChangeAspect="1" noChangeArrowheads="1"/>
+          </p:cNvPicPr>
+          <p:nvPr/>
+        </p:nvPicPr>
+        <p:blipFill>
+          <a:blip r:embed="rId2">
+            <a:extLst>
+              <a:ext uri="{28A0092B-C50C-407E-A947-70E740481C1C}">
+                <a14:useLocalDpi xmlns:a14="http://schemas.microsoft.com/office/drawing/2010/main" val="0"/>
+              </a:ext>
+            </a:extLst>
+          </a:blip>
+          <a:srcRect/>
+          <a:stretch>
+            <a:fillRect/>
+          </a:stretch>
+        </p:blipFill>
+        <p:spPr bwMode="auto">
+          <a:xfrm>
+            <a:off x="5343603" y="1463956"/>
+            <a:ext cx="5212398" cy="1593875"/>
+          </a:xfrm>
+          <a:prstGeom prst="rect">
+            <a:avLst/>
+          </a:prstGeom>
+          <a:noFill/>
+          <a:extLst>
+            <a:ext uri="{909E8E84-426E-40DD-AFC4-6F175D3DCCD1}">
+              <a14:hiddenFill xmlns:a14="http://schemas.microsoft.com/office/drawing/2010/main">
+                <a:solidFill>
+                  <a:srgbClr val="FFFFFF"/>
+                </a:solidFill>
+              </a14:hiddenFill>
+            </a:ext>
+          </a:extLst>
+        </p:spPr>
+      </p:pic>
+      <p:pic>
+        <p:nvPicPr>
+          <p:cNvPr id="1028" name="Picture 4" descr="_images/y1andy2_logistic_function.png"/>
+          <p:cNvPicPr>
+            <a:picLocks noChangeAspect="1" noChangeArrowheads="1"/>
+          </p:cNvPicPr>
+          <p:nvPr/>
+        </p:nvPicPr>
+        <p:blipFill>
+          <a:blip r:embed="rId3">
+            <a:extLst>
+              <a:ext uri="{28A0092B-C50C-407E-A947-70E740481C1C}">
+                <a14:useLocalDpi xmlns:a14="http://schemas.microsoft.com/office/drawing/2010/main" val="0"/>
+              </a:ext>
+            </a:extLst>
+          </a:blip>
+          <a:srcRect/>
+          <a:stretch>
+            <a:fillRect/>
+          </a:stretch>
+        </p:blipFill>
+        <p:spPr bwMode="auto">
+          <a:xfrm>
+            <a:off x="2918440" y="3308337"/>
+            <a:ext cx="5476875" cy="2371726"/>
+          </a:xfrm>
+          <a:prstGeom prst="rect">
+            <a:avLst/>
+          </a:prstGeom>
+          <a:noFill/>
+          <a:extLst>
+            <a:ext uri="{909E8E84-426E-40DD-AFC4-6F175D3DCCD1}">
+              <a14:hiddenFill xmlns:a14="http://schemas.microsoft.com/office/drawing/2010/main">
+                <a:solidFill>
+                  <a:srgbClr val="FFFFFF"/>
+                </a:solidFill>
+              </a14:hiddenFill>
+            </a:ext>
+          </a:extLst>
+        </p:spPr>
+      </p:pic>
+      <p:sp>
+        <p:nvSpPr>
+          <p:cNvPr id="4" name="TextBox 3"/>
+          <p:cNvSpPr txBox="1"/>
+          <p:nvPr/>
+        </p:nvSpPr>
+        <p:spPr>
+          <a:xfrm>
+            <a:off x="8691716" y="3534697"/>
+            <a:ext cx="2035278" cy="584775"/>
+          </a:xfrm>
+          <a:prstGeom prst="rect">
+            <a:avLst/>
+          </a:prstGeom>
+          <a:noFill/>
+        </p:spPr>
+        <p:txBody>
+          <a:bodyPr wrap="square" rtlCol="0">
+            <a:spAutoFit/>
+          </a:bodyPr>
+          <a:lstStyle/>
+          <a:p>
+            <a:r>
+              <a:rPr lang="it-IT" sz="1600" dirty="0" smtClean="0"/>
+              <a:t>Prob. predicted by the logistic regression</a:t>
+            </a:r>
+            <a:endParaRPr lang="en-US" sz="1600" dirty="0"/>
+          </a:p>
+        </p:txBody>
+      </p:sp>
+      <p:cxnSp>
+        <p:nvCxnSpPr>
+          <p:cNvPr id="6" name="Straight Arrow Connector 5"/>
+          <p:cNvCxnSpPr/>
+          <p:nvPr/>
+        </p:nvCxnSpPr>
+        <p:spPr>
+          <a:xfrm flipH="1" flipV="1">
+            <a:off x="8554066" y="2974259"/>
+            <a:ext cx="585018" cy="560438"/>
+          </a:xfrm>
+          <a:prstGeom prst="straightConnector1">
+            <a:avLst/>
+          </a:prstGeom>
+          <a:ln w="34925">
+            <a:solidFill>
+              <a:schemeClr val="tx1"/>
+            </a:solidFill>
+            <a:tailEnd type="triangle"/>
+          </a:ln>
+        </p:spPr>
+        <p:style>
+          <a:lnRef idx="1">
+            <a:schemeClr val="accent1"/>
+          </a:lnRef>
+          <a:fillRef idx="0">
+            <a:schemeClr val="accent1"/>
+          </a:fillRef>
+          <a:effectRef idx="0">
+            <a:schemeClr val="accent1"/>
+          </a:effectRef>
+          <a:fontRef idx="minor">
+            <a:schemeClr val="tx1"/>
+          </a:fontRef>
+        </p:style>
+      </p:cxnSp>
+      <p:sp>
+        <p:nvSpPr>
+          <p:cNvPr id="8" name="TextBox 7"/>
+          <p:cNvSpPr txBox="1"/>
+          <p:nvPr/>
+        </p:nvSpPr>
+        <p:spPr>
+          <a:xfrm>
+            <a:off x="7138016" y="802424"/>
+            <a:ext cx="1396180" cy="369332"/>
+          </a:xfrm>
+          <a:prstGeom prst="rect">
+            <a:avLst/>
+          </a:prstGeom>
+          <a:noFill/>
+        </p:spPr>
+        <p:txBody>
+          <a:bodyPr wrap="square" rtlCol="0">
+            <a:spAutoFit/>
+          </a:bodyPr>
+          <a:lstStyle/>
+          <a:p>
+            <a:r>
+              <a:rPr lang="it-IT" dirty="0" smtClean="0"/>
+              <a:t>The weights</a:t>
+            </a:r>
+            <a:endParaRPr lang="en-US" dirty="0"/>
+          </a:p>
+        </p:txBody>
+      </p:sp>
+      <p:cxnSp>
+        <p:nvCxnSpPr>
+          <p:cNvPr id="11" name="Straight Arrow Connector 10"/>
+          <p:cNvCxnSpPr/>
+          <p:nvPr/>
+        </p:nvCxnSpPr>
+        <p:spPr>
+          <a:xfrm flipH="1">
+            <a:off x="5958350" y="1058484"/>
+            <a:ext cx="1135624" cy="632204"/>
+          </a:xfrm>
+          <a:prstGeom prst="straightConnector1">
+            <a:avLst/>
+          </a:prstGeom>
+          <a:ln w="34925">
+            <a:solidFill>
+              <a:schemeClr val="tx1"/>
+            </a:solidFill>
+            <a:tailEnd type="triangle"/>
+          </a:ln>
+        </p:spPr>
+        <p:style>
+          <a:lnRef idx="1">
+            <a:schemeClr val="accent1"/>
+          </a:lnRef>
+          <a:fillRef idx="0">
+            <a:schemeClr val="accent1"/>
+          </a:fillRef>
+          <a:effectRef idx="0">
+            <a:schemeClr val="accent1"/>
+          </a:effectRef>
+          <a:fontRef idx="minor">
+            <a:schemeClr val="tx1"/>
+          </a:fontRef>
+        </p:style>
+      </p:cxnSp>
+      <p:cxnSp>
+        <p:nvCxnSpPr>
+          <p:cNvPr id="12" name="Straight Arrow Connector 11"/>
+          <p:cNvCxnSpPr/>
+          <p:nvPr/>
+        </p:nvCxnSpPr>
+        <p:spPr>
+          <a:xfrm flipV="1">
+            <a:off x="2040194" y="3824748"/>
+            <a:ext cx="1273277" cy="309717"/>
+          </a:xfrm>
+          <a:prstGeom prst="straightConnector1">
+            <a:avLst/>
+          </a:prstGeom>
+          <a:ln w="19050">
+            <a:solidFill>
+              <a:schemeClr val="tx1"/>
+            </a:solidFill>
+            <a:tailEnd type="triangle"/>
+          </a:ln>
+        </p:spPr>
+        <p:style>
+          <a:lnRef idx="1">
+            <a:schemeClr val="accent1"/>
+          </a:lnRef>
+          <a:fillRef idx="0">
+            <a:schemeClr val="accent1"/>
+          </a:fillRef>
+          <a:effectRef idx="0">
+            <a:schemeClr val="accent1"/>
+          </a:effectRef>
+          <a:fontRef idx="minor">
+            <a:schemeClr val="tx1"/>
+          </a:fontRef>
+        </p:style>
+      </p:cxnSp>
+      <p:cxnSp>
+        <p:nvCxnSpPr>
+          <p:cNvPr id="17" name="Straight Arrow Connector 16"/>
+          <p:cNvCxnSpPr/>
+          <p:nvPr/>
+        </p:nvCxnSpPr>
+        <p:spPr>
+          <a:xfrm flipV="1">
+            <a:off x="2192594" y="3859161"/>
+            <a:ext cx="5589638" cy="427705"/>
+          </a:xfrm>
+          <a:prstGeom prst="straightConnector1">
+            <a:avLst/>
+          </a:prstGeom>
+          <a:ln w="19050">
+            <a:solidFill>
+              <a:schemeClr val="tx1"/>
+            </a:solidFill>
+            <a:tailEnd type="triangle"/>
+          </a:ln>
+        </p:spPr>
+        <p:style>
+          <a:lnRef idx="1">
+            <a:schemeClr val="accent1"/>
+          </a:lnRef>
+          <a:fillRef idx="0">
+            <a:schemeClr val="accent1"/>
+          </a:fillRef>
+          <a:effectRef idx="0">
+            <a:schemeClr val="accent1"/>
+          </a:effectRef>
+          <a:fontRef idx="minor">
+            <a:schemeClr val="tx1"/>
+          </a:fontRef>
+        </p:style>
+      </p:cxnSp>
+      <p:sp>
+        <p:nvSpPr>
+          <p:cNvPr id="19" name="TextBox 18"/>
+          <p:cNvSpPr txBox="1"/>
+          <p:nvPr/>
+        </p:nvSpPr>
+        <p:spPr>
+          <a:xfrm>
+            <a:off x="205965" y="4073013"/>
+            <a:ext cx="2035278" cy="584775"/>
+          </a:xfrm>
+          <a:prstGeom prst="rect">
+            <a:avLst/>
+          </a:prstGeom>
+          <a:noFill/>
+        </p:spPr>
+        <p:txBody>
+          <a:bodyPr wrap="square" rtlCol="0">
+            <a:spAutoFit/>
+          </a:bodyPr>
+          <a:lstStyle/>
+          <a:p>
+            <a:r>
+              <a:rPr lang="it-IT" sz="1600" dirty="0" smtClean="0"/>
+              <a:t>High costs for wron decisions</a:t>
+            </a:r>
+            <a:endParaRPr lang="en-US" sz="1600" dirty="0"/>
+          </a:p>
+        </p:txBody>
+      </p:sp>
+    </p:spTree>
+    <p:extLst>
+      <p:ext uri="{BB962C8B-B14F-4D97-AF65-F5344CB8AC3E}">
+        <p14:creationId xmlns:p14="http://schemas.microsoft.com/office/powerpoint/2010/main" val="3984851067"/>
+      </p:ext>
+    </p:extLst>
+  </p:cSld>
+  <p:clrMapOvr>
+    <a:masterClrMapping/>
+  </p:clrMapOvr>
+</p:sld>
+</file>
+
 <file path=ppt/slides/slide2.xml><?xml version="1.0" encoding="utf-8"?>
 <p:sld xmlns:a="http://schemas.openxmlformats.org/drawingml/2006/main" xmlns:r="http://schemas.openxmlformats.org/officeDocument/2006/relationships" xmlns:p="http://schemas.openxmlformats.org/presentationml/2006/main">
   <p:cSld>
@@ -3198,7 +3737,6 @@
               <a:rPr lang="en-US" dirty="0"/>
               <a:t>data structure that stores a representation of a dataset (weights and biases). Models are created/learned when you train an algorithm on a dataset.</a:t>
             </a:r>
-            <a:endParaRPr lang="en-US" dirty="0"/>
           </a:p>
         </p:txBody>
       </p:sp>
@@ -3393,95 +3931,46 @@
           <a:lstStyle/>
           <a:p>
             <a:r>
-              <a:rPr lang="it-IT" dirty="0"/>
-              <a:t>Some definitions</a:t>
+              <a:rPr lang="it-IT" dirty="0" smtClean="0"/>
+              <a:t>Neural network example</a:t>
             </a:r>
             <a:endParaRPr lang="en-US" dirty="0"/>
           </a:p>
         </p:txBody>
       </p:sp>
-      <p:sp>
-        <p:nvSpPr>
-          <p:cNvPr id="3" name="Content Placeholder 2"/>
-          <p:cNvSpPr>
-            <a:spLocks noGrp="1"/>
-          </p:cNvSpPr>
+      <p:pic>
+        <p:nvPicPr>
+          <p:cNvPr id="4" name="Content Placeholder 3"/>
+          <p:cNvPicPr>
+            <a:picLocks noGrp="1" noChangeAspect="1"/>
+          </p:cNvPicPr>
           <p:nvPr>
             <p:ph idx="1"/>
           </p:nvPr>
-        </p:nvSpPr>
-        <p:spPr/>
-        <p:txBody>
-          <a:bodyPr>
-            <a:normAutofit fontScale="92500"/>
-          </a:bodyPr>
-          <a:lstStyle/>
-          <a:p>
-            <a:r>
-              <a:rPr lang="en-US" dirty="0"/>
-              <a:t>Loss = </a:t>
-            </a:r>
-            <a:r>
-              <a:rPr lang="en-US" dirty="0" err="1"/>
-              <a:t>true_value</a:t>
-            </a:r>
-            <a:r>
-              <a:rPr lang="en-US" dirty="0"/>
-              <a:t>(from data-set)- predicted value(from ML-model) The lower the loss, the better a model (unless the model has over-fitted to the training data). The loss is calculated on training and validation and its interpretation is how well the model is doing for these two sets. Unlike accuracy, loss is not a percentage. It is a summation of the errors made for each example in training or validation sets</a:t>
-            </a:r>
-            <a:r>
-              <a:rPr lang="en-US" dirty="0" smtClean="0"/>
-              <a:t>.</a:t>
-            </a:r>
-          </a:p>
-          <a:p>
-            <a:pPr lvl="1"/>
-            <a:r>
-              <a:rPr lang="it-IT" dirty="0" smtClean="0"/>
-              <a:t>Typically used as cost function</a:t>
-            </a:r>
-          </a:p>
-          <a:p>
-            <a:r>
-              <a:rPr lang="it-IT" dirty="0" smtClean="0"/>
-              <a:t>Supervised learning:</a:t>
-            </a:r>
-          </a:p>
-          <a:p>
-            <a:pPr lvl="1"/>
-            <a:r>
-              <a:rPr lang="en-US" dirty="0"/>
-              <a:t>Training a model using a labeled dataset</a:t>
-            </a:r>
-            <a:r>
-              <a:rPr lang="en-US" dirty="0" smtClean="0"/>
-              <a:t>.</a:t>
-            </a:r>
-          </a:p>
-          <a:p>
-            <a:r>
-              <a:rPr lang="it-IT" dirty="0" smtClean="0"/>
-              <a:t>Unsupervised </a:t>
-            </a:r>
-            <a:r>
-              <a:rPr lang="it-IT" dirty="0"/>
-              <a:t>learning:</a:t>
-            </a:r>
-          </a:p>
-          <a:p>
-            <a:pPr lvl="1"/>
-            <a:r>
-              <a:rPr lang="en-US" dirty="0"/>
-              <a:t>Training a model to find patterns in an unlabeled dataset (e.g. clustering).</a:t>
-            </a:r>
-            <a:endParaRPr lang="en-US" dirty="0"/>
-          </a:p>
-        </p:txBody>
-      </p:sp>
+        </p:nvPicPr>
+        <p:blipFill>
+          <a:blip r:embed="rId2" cstate="print">
+            <a:extLst>
+              <a:ext uri="{28A0092B-C50C-407E-A947-70E740481C1C}">
+                <a14:useLocalDpi xmlns:a14="http://schemas.microsoft.com/office/drawing/2010/main" val="0"/>
+              </a:ext>
+            </a:extLst>
+          </a:blip>
+          <a:stretch>
+            <a:fillRect/>
+          </a:stretch>
+        </p:blipFill>
+        <p:spPr>
+          <a:xfrm>
+            <a:off x="3523071" y="1825625"/>
+            <a:ext cx="5145858" cy="4351338"/>
+          </a:xfrm>
+        </p:spPr>
+      </p:pic>
     </p:spTree>
     <p:extLst>
       <p:ext uri="{BB962C8B-B14F-4D97-AF65-F5344CB8AC3E}">
-        <p14:creationId xmlns:p14="http://schemas.microsoft.com/office/powerpoint/2010/main" val="881740492"/>
+        <p14:creationId xmlns:p14="http://schemas.microsoft.com/office/powerpoint/2010/main" val="2033157545"/>
       </p:ext>
     </p:extLst>
   </p:cSld>
@@ -3544,58 +4033,74 @@
         <p:spPr/>
         <p:txBody>
           <a:bodyPr>
-            <a:normAutofit/>
+            <a:normAutofit fontScale="92500"/>
           </a:bodyPr>
           <a:lstStyle/>
           <a:p>
             <a:r>
+              <a:rPr lang="en-US" dirty="0"/>
+              <a:t>Loss = </a:t>
+            </a:r>
+            <a:r>
+              <a:rPr lang="en-US" dirty="0" err="1"/>
+              <a:t>true_value</a:t>
+            </a:r>
+            <a:r>
+              <a:rPr lang="en-US" dirty="0"/>
+              <a:t>(from data-set)- predicted value(from ML-model) The lower the loss, the better a model (unless the model has over-fitted to the training data). The loss is calculated on training and validation and its interpretation is how well the model is doing for these two sets. Unlike accuracy, loss is not a percentage. It is a summation of the errors made for each example in training or validation sets</a:t>
+            </a:r>
+            <a:r>
+              <a:rPr lang="en-US" dirty="0" smtClean="0"/>
+              <a:t>.</a:t>
+            </a:r>
+          </a:p>
+          <a:p>
+            <a:pPr lvl="1"/>
+            <a:r>
+              <a:rPr lang="it-IT" dirty="0" smtClean="0"/>
+              <a:t>Typically used as cost function</a:t>
+            </a:r>
+          </a:p>
+          <a:p>
+            <a:r>
+              <a:rPr lang="it-IT" dirty="0" smtClean="0"/>
+              <a:t>Supervised learning:</a:t>
+            </a:r>
+          </a:p>
+          <a:p>
+            <a:pPr lvl="1"/>
+            <a:r>
+              <a:rPr lang="en-US" dirty="0"/>
+              <a:t>Training a model using a labeled dataset</a:t>
+            </a:r>
+            <a:r>
+              <a:rPr lang="en-US" dirty="0" smtClean="0"/>
+              <a:t>.</a:t>
+            </a:r>
+          </a:p>
+          <a:p>
+            <a:r>
+              <a:rPr lang="it-IT" dirty="0" smtClean="0"/>
+              <a:t>Unsupervised </a:t>
+            </a:r>
+            <a:r>
               <a:rPr lang="it-IT" dirty="0"/>
-              <a:t>Classification:</a:t>
+              <a:t>learning:</a:t>
             </a:r>
           </a:p>
           <a:p>
             <a:pPr lvl="1"/>
             <a:r>
               <a:rPr lang="en-US" dirty="0"/>
-              <a:t>Predicting a categorical output.</a:t>
-            </a:r>
-          </a:p>
-          <a:p>
-            <a:pPr lvl="1"/>
-            <a:r>
-              <a:rPr lang="en-US" dirty="0"/>
-              <a:t>Binary classification predicts one of two possible outcomes (e.g. is the email spam or not spam?)</a:t>
-            </a:r>
-          </a:p>
-          <a:p>
-            <a:pPr lvl="1"/>
-            <a:r>
-              <a:rPr lang="en-US" dirty="0"/>
-              <a:t>Multi-class classification predicts one of multiple possible outcomes (e.g. is this a photo of a cat, dog, horse or human</a:t>
-            </a:r>
-            <a:r>
-              <a:rPr lang="en-US" dirty="0" smtClean="0"/>
-              <a:t>?)</a:t>
-            </a:r>
-            <a:endParaRPr lang="it-IT" dirty="0"/>
-          </a:p>
-          <a:p>
-            <a:r>
-              <a:rPr lang="it-IT" dirty="0"/>
-              <a:t>Regression: </a:t>
-            </a:r>
-            <a:r>
-              <a:rPr lang="en-US" dirty="0"/>
-              <a:t>Predicting a continuous output (e.g. price, sales).</a:t>
-            </a:r>
-            <a:endParaRPr lang="it-IT" dirty="0"/>
+              <a:t>Training a model to find patterns in an unlabeled dataset (e.g. clustering).</a:t>
+            </a:r>
           </a:p>
         </p:txBody>
       </p:sp>
     </p:spTree>
     <p:extLst>
       <p:ext uri="{BB962C8B-B14F-4D97-AF65-F5344CB8AC3E}">
-        <p14:creationId xmlns:p14="http://schemas.microsoft.com/office/powerpoint/2010/main" val="3604066792"/>
+        <p14:creationId xmlns:p14="http://schemas.microsoft.com/office/powerpoint/2010/main" val="881740492"/>
       </p:ext>
     </p:extLst>
   </p:cSld>
@@ -3638,8 +4143,8 @@
           <a:lstStyle/>
           <a:p>
             <a:r>
-              <a:rPr lang="it-IT" dirty="0" smtClean="0"/>
-              <a:t>Linear regression</a:t>
+              <a:rPr lang="it-IT" dirty="0"/>
+              <a:t>Some definitions</a:t>
             </a:r>
             <a:endParaRPr lang="en-US" dirty="0"/>
           </a:p>
@@ -3657,17 +4162,59 @@
         </p:nvSpPr>
         <p:spPr/>
         <p:txBody>
-          <a:bodyPr/>
-          <a:lstStyle/>
-          <a:p>
-            <a:endParaRPr lang="en-US"/>
+          <a:bodyPr>
+            <a:normAutofit/>
+          </a:bodyPr>
+          <a:lstStyle/>
+          <a:p>
+            <a:r>
+              <a:rPr lang="it-IT" dirty="0"/>
+              <a:t>Classification:</a:t>
+            </a:r>
+          </a:p>
+          <a:p>
+            <a:pPr lvl="1"/>
+            <a:r>
+              <a:rPr lang="en-US" dirty="0"/>
+              <a:t>Predicting a categorical output.</a:t>
+            </a:r>
+          </a:p>
+          <a:p>
+            <a:pPr lvl="1"/>
+            <a:r>
+              <a:rPr lang="en-US" dirty="0"/>
+              <a:t>Binary classification predicts one of two possible outcomes (e.g. is the email spam or not spam?)</a:t>
+            </a:r>
+          </a:p>
+          <a:p>
+            <a:pPr lvl="1"/>
+            <a:r>
+              <a:rPr lang="en-US" dirty="0"/>
+              <a:t>Multi-class classification predicts one of multiple possible outcomes (e.g. is this a photo of a cat, dog, horse or human</a:t>
+            </a:r>
+            <a:r>
+              <a:rPr lang="en-US" dirty="0" smtClean="0"/>
+              <a:t>?)</a:t>
+            </a:r>
+            <a:endParaRPr lang="it-IT" dirty="0"/>
+          </a:p>
+          <a:p>
+            <a:r>
+              <a:rPr lang="it-IT" dirty="0"/>
+              <a:t>Regression: </a:t>
+            </a:r>
+            <a:r>
+              <a:rPr lang="en-US" dirty="0"/>
+              <a:t>Predicting a continuous output (e.g. price, sales).</a:t>
+            </a:r>
+            <a:endParaRPr lang="it-IT" dirty="0"/>
           </a:p>
         </p:txBody>
       </p:sp>
     </p:spTree>
     <p:extLst>
       <p:ext uri="{BB962C8B-B14F-4D97-AF65-F5344CB8AC3E}">
-        <p14:creationId xmlns:p14="http://schemas.microsoft.com/office/powerpoint/2010/main" val="2513240915"/>
+        <p14:creationId xmlns:p14="http://schemas.microsoft.com/office/powerpoint/2010/main" val="3604066792"/>
       </p:ext>
     </p:extLst>
   </p:cSld>
@@ -3711,6 +4258,78 @@
           <a:p>
             <a:r>
               <a:rPr lang="it-IT" dirty="0" smtClean="0"/>
+              <a:t>Linear regression</a:t>
+            </a:r>
+            <a:endParaRPr lang="en-US" dirty="0"/>
+          </a:p>
+        </p:txBody>
+      </p:sp>
+      <p:sp>
+        <p:nvSpPr>
+          <p:cNvPr id="3" name="Content Placeholder 2"/>
+          <p:cNvSpPr>
+            <a:spLocks noGrp="1"/>
+          </p:cNvSpPr>
+          <p:nvPr>
+            <p:ph idx="1"/>
+          </p:nvPr>
+        </p:nvSpPr>
+        <p:spPr/>
+        <p:txBody>
+          <a:bodyPr/>
+          <a:lstStyle/>
+          <a:p>
+            <a:endParaRPr lang="en-US"/>
+          </a:p>
+        </p:txBody>
+      </p:sp>
+    </p:spTree>
+    <p:extLst>
+      <p:ext uri="{BB962C8B-B14F-4D97-AF65-F5344CB8AC3E}">
+        <p14:creationId xmlns:p14="http://schemas.microsoft.com/office/powerpoint/2010/main" val="2513240915"/>
+      </p:ext>
+    </p:extLst>
+  </p:cSld>
+  <p:clrMapOvr>
+    <a:masterClrMapping/>
+  </p:clrMapOvr>
+</p:sld>
+</file>
+
+<file path=ppt/slides/slide9.xml><?xml version="1.0" encoding="utf-8"?>
+<p:sld xmlns:a="http://schemas.openxmlformats.org/drawingml/2006/main" xmlns:r="http://schemas.openxmlformats.org/officeDocument/2006/relationships" xmlns:p="http://schemas.openxmlformats.org/presentationml/2006/main">
+  <p:cSld>
+    <p:spTree>
+      <p:nvGrpSpPr>
+        <p:cNvPr id="1" name=""/>
+        <p:cNvGrpSpPr/>
+        <p:nvPr/>
+      </p:nvGrpSpPr>
+      <p:grpSpPr>
+        <a:xfrm>
+          <a:off x="0" y="0"/>
+          <a:ext cx="0" cy="0"/>
+          <a:chOff x="0" y="0"/>
+          <a:chExt cx="0" cy="0"/>
+        </a:xfrm>
+      </p:grpSpPr>
+      <p:sp>
+        <p:nvSpPr>
+          <p:cNvPr id="2" name="Title 1"/>
+          <p:cNvSpPr>
+            <a:spLocks noGrp="1"/>
+          </p:cNvSpPr>
+          <p:nvPr>
+            <p:ph type="title"/>
+          </p:nvPr>
+        </p:nvSpPr>
+        <p:spPr/>
+        <p:txBody>
+          <a:bodyPr/>
+          <a:lstStyle/>
+          <a:p>
+            <a:r>
+              <a:rPr lang="it-IT" dirty="0" smtClean="0"/>
               <a:t>Logistic regression</a:t>
             </a:r>
             <a:endParaRPr lang="en-US" dirty="0"/>
@@ -3739,8 +4358,13 @@
           <a:p>
             <a:r>
               <a:rPr lang="it-IT" dirty="0" smtClean="0"/>
-              <a:t>Linear regression, then:</a:t>
-            </a:r>
+              <a:t>Linear regression, </a:t>
+            </a:r>
+            <a:r>
+              <a:rPr lang="it-IT" dirty="0" smtClean="0"/>
+              <a:t>then, a probability estimation is computed:</a:t>
+            </a:r>
+            <a:endParaRPr lang="it-IT" dirty="0" smtClean="0"/>
           </a:p>
           <a:p>
             <a:r>
@@ -3752,9 +4376,23 @@
             <a:pPr lvl="1"/>
             <a:r>
               <a:rPr lang="en-US" dirty="0"/>
-              <a:t>In order to map predicted values to probabilities, we use the sigmoid function. The function maps any real value into another value between 0 and 1. In machine learning, we use sigmoid to map predictions to probabilities.</a:t>
-            </a:r>
-            <a:endParaRPr lang="en-US" dirty="0"/>
+              <a:t>In order to map predicted values to probabilities, we use the sigmoid function. The function maps any real value into another value between 0 and </a:t>
+            </a:r>
+            <a:r>
+              <a:rPr lang="en-US" dirty="0" smtClean="0"/>
+              <a:t>1.</a:t>
+            </a:r>
+          </a:p>
+          <a:p>
+            <a:pPr lvl="1"/>
+            <a:r>
+              <a:rPr lang="en-US" dirty="0" smtClean="0"/>
+              <a:t>In </a:t>
+            </a:r>
+            <a:r>
+              <a:rPr lang="en-US" dirty="0"/>
+              <a:t>machine learning, we use sigmoid to map predictions to probabilities.</a:t>
+            </a:r>
           </a:p>
         </p:txBody>
       </p:sp>
